--- a/ML Pipeline Template Presentation.pptx
+++ b/ML Pipeline Template Presentation.pptx
@@ -114,6 +114,11 @@
       </a:defRPr>
     </a:lvl9pPr>
   </p:defaultTextStyle>
+  <p:extLst>
+    <p:ext uri="{EFAFB233-063F-42B5-8137-9DF3F51BA10A}">
+      <p15:sldGuideLst xmlns:p15="http://schemas.microsoft.com/office/powerpoint/2012/main"/>
+    </p:ext>
+  </p:extLst>
 </p:presentation>
 </file>
 
@@ -7841,7 +7846,7 @@
           <a:p>
             <a:fld id="{583155AF-EDF0-4521-97EB-E97EC89E0B31}" type="datetimeFigureOut">
               <a:rPr lang="he-IL" smtClean="0"/>
-              <a:t>י"ז/חשון/תשפ"ה</a:t>
+              <a:t>י"ט/חשון/תשפ"ה</a:t>
             </a:fld>
             <a:endParaRPr lang="he-IL"/>
           </a:p>
@@ -8041,7 +8046,7 @@
           <a:p>
             <a:fld id="{583155AF-EDF0-4521-97EB-E97EC89E0B31}" type="datetimeFigureOut">
               <a:rPr lang="he-IL" smtClean="0"/>
-              <a:t>י"ז/חשון/תשפ"ה</a:t>
+              <a:t>י"ט/חשון/תשפ"ה</a:t>
             </a:fld>
             <a:endParaRPr lang="he-IL"/>
           </a:p>
@@ -8251,7 +8256,7 @@
           <a:p>
             <a:fld id="{583155AF-EDF0-4521-97EB-E97EC89E0B31}" type="datetimeFigureOut">
               <a:rPr lang="he-IL" smtClean="0"/>
-              <a:t>י"ז/חשון/תשפ"ה</a:t>
+              <a:t>י"ט/חשון/תשפ"ה</a:t>
             </a:fld>
             <a:endParaRPr lang="he-IL"/>
           </a:p>
@@ -8451,7 +8456,7 @@
           <a:p>
             <a:fld id="{583155AF-EDF0-4521-97EB-E97EC89E0B31}" type="datetimeFigureOut">
               <a:rPr lang="he-IL" smtClean="0"/>
-              <a:t>י"ז/חשון/תשפ"ה</a:t>
+              <a:t>י"ט/חשון/תשפ"ה</a:t>
             </a:fld>
             <a:endParaRPr lang="he-IL"/>
           </a:p>
@@ -8727,7 +8732,7 @@
           <a:p>
             <a:fld id="{583155AF-EDF0-4521-97EB-E97EC89E0B31}" type="datetimeFigureOut">
               <a:rPr lang="he-IL" smtClean="0"/>
-              <a:t>י"ז/חשון/תשפ"ה</a:t>
+              <a:t>י"ט/חשון/תשפ"ה</a:t>
             </a:fld>
             <a:endParaRPr lang="he-IL"/>
           </a:p>
@@ -8995,7 +9000,7 @@
           <a:p>
             <a:fld id="{583155AF-EDF0-4521-97EB-E97EC89E0B31}" type="datetimeFigureOut">
               <a:rPr lang="he-IL" smtClean="0"/>
-              <a:t>י"ז/חשון/תשפ"ה</a:t>
+              <a:t>י"ט/חשון/תשפ"ה</a:t>
             </a:fld>
             <a:endParaRPr lang="he-IL"/>
           </a:p>
@@ -9410,7 +9415,7 @@
           <a:p>
             <a:fld id="{583155AF-EDF0-4521-97EB-E97EC89E0B31}" type="datetimeFigureOut">
               <a:rPr lang="he-IL" smtClean="0"/>
-              <a:t>י"ז/חשון/תשפ"ה</a:t>
+              <a:t>י"ט/חשון/תשפ"ה</a:t>
             </a:fld>
             <a:endParaRPr lang="he-IL"/>
           </a:p>
@@ -9552,7 +9557,7 @@
           <a:p>
             <a:fld id="{583155AF-EDF0-4521-97EB-E97EC89E0B31}" type="datetimeFigureOut">
               <a:rPr lang="he-IL" smtClean="0"/>
-              <a:t>י"ז/חשון/תשפ"ה</a:t>
+              <a:t>י"ט/חשון/תשפ"ה</a:t>
             </a:fld>
             <a:endParaRPr lang="he-IL"/>
           </a:p>
@@ -9665,7 +9670,7 @@
           <a:p>
             <a:fld id="{583155AF-EDF0-4521-97EB-E97EC89E0B31}" type="datetimeFigureOut">
               <a:rPr lang="he-IL" smtClean="0"/>
-              <a:t>י"ז/חשון/תשפ"ה</a:t>
+              <a:t>י"ט/חשון/תשפ"ה</a:t>
             </a:fld>
             <a:endParaRPr lang="he-IL"/>
           </a:p>
@@ -9978,7 +9983,7 @@
           <a:p>
             <a:fld id="{583155AF-EDF0-4521-97EB-E97EC89E0B31}" type="datetimeFigureOut">
               <a:rPr lang="he-IL" smtClean="0"/>
-              <a:t>י"ז/חשון/תשפ"ה</a:t>
+              <a:t>י"ט/חשון/תשפ"ה</a:t>
             </a:fld>
             <a:endParaRPr lang="he-IL"/>
           </a:p>
@@ -10267,7 +10272,7 @@
           <a:p>
             <a:fld id="{583155AF-EDF0-4521-97EB-E97EC89E0B31}" type="datetimeFigureOut">
               <a:rPr lang="he-IL" smtClean="0"/>
-              <a:t>י"ז/חשון/תשפ"ה</a:t>
+              <a:t>י"ט/חשון/תשפ"ה</a:t>
             </a:fld>
             <a:endParaRPr lang="he-IL"/>
           </a:p>
@@ -10510,7 +10515,7 @@
           <a:p>
             <a:fld id="{583155AF-EDF0-4521-97EB-E97EC89E0B31}" type="datetimeFigureOut">
               <a:rPr lang="he-IL" smtClean="0"/>
-              <a:t>י"ז/חשון/תשפ"ה</a:t>
+              <a:t>י"ט/חשון/תשפ"ה</a:t>
             </a:fld>
             <a:endParaRPr lang="he-IL"/>
           </a:p>
